--- a/Tools/Topic MQTT (Message Queuing Telemetry Transport)/MQTT.pptx
+++ b/Tools/Topic MQTT (Message Queuing Telemetry Transport)/MQTT.pptx
@@ -105,6 +105,11 @@
       </a:defRPr>
     </a:lvl9pPr>
   </p:defaultTextStyle>
+  <p:extLst>
+    <p:ext uri="{EFAFB233-063F-42B5-8137-9DF3F51BA10A}">
+      <p15:sldGuideLst xmlns:p15="http://schemas.microsoft.com/office/powerpoint/2012/main"/>
+    </p:ext>
+  </p:extLst>
 </p:presentation>
 </file>
 
@@ -257,7 +262,7 @@
           <a:p>
             <a:fld id="{E0B12903-20FD-402A-9E4C-CF267B63641D}" type="datetimeFigureOut">
               <a:rPr lang="en-GB" smtClean="0"/>
-              <a:t>18/08/2025</a:t>
+              <a:t>20/08/2025</a:t>
             </a:fld>
             <a:endParaRPr lang="en-GB"/>
           </a:p>
@@ -457,7 +462,7 @@
           <a:p>
             <a:fld id="{E0B12903-20FD-402A-9E4C-CF267B63641D}" type="datetimeFigureOut">
               <a:rPr lang="en-GB" smtClean="0"/>
-              <a:t>18/08/2025</a:t>
+              <a:t>20/08/2025</a:t>
             </a:fld>
             <a:endParaRPr lang="en-GB"/>
           </a:p>
@@ -667,7 +672,7 @@
           <a:p>
             <a:fld id="{E0B12903-20FD-402A-9E4C-CF267B63641D}" type="datetimeFigureOut">
               <a:rPr lang="en-GB" smtClean="0"/>
-              <a:t>18/08/2025</a:t>
+              <a:t>20/08/2025</a:t>
             </a:fld>
             <a:endParaRPr lang="en-GB"/>
           </a:p>
@@ -867,7 +872,7 @@
           <a:p>
             <a:fld id="{E0B12903-20FD-402A-9E4C-CF267B63641D}" type="datetimeFigureOut">
               <a:rPr lang="en-GB" smtClean="0"/>
-              <a:t>18/08/2025</a:t>
+              <a:t>20/08/2025</a:t>
             </a:fld>
             <a:endParaRPr lang="en-GB"/>
           </a:p>
@@ -1143,7 +1148,7 @@
           <a:p>
             <a:fld id="{E0B12903-20FD-402A-9E4C-CF267B63641D}" type="datetimeFigureOut">
               <a:rPr lang="en-GB" smtClean="0"/>
-              <a:t>18/08/2025</a:t>
+              <a:t>20/08/2025</a:t>
             </a:fld>
             <a:endParaRPr lang="en-GB"/>
           </a:p>
@@ -1411,7 +1416,7 @@
           <a:p>
             <a:fld id="{E0B12903-20FD-402A-9E4C-CF267B63641D}" type="datetimeFigureOut">
               <a:rPr lang="en-GB" smtClean="0"/>
-              <a:t>18/08/2025</a:t>
+              <a:t>20/08/2025</a:t>
             </a:fld>
             <a:endParaRPr lang="en-GB"/>
           </a:p>
@@ -1826,7 +1831,7 @@
           <a:p>
             <a:fld id="{E0B12903-20FD-402A-9E4C-CF267B63641D}" type="datetimeFigureOut">
               <a:rPr lang="en-GB" smtClean="0"/>
-              <a:t>18/08/2025</a:t>
+              <a:t>20/08/2025</a:t>
             </a:fld>
             <a:endParaRPr lang="en-GB"/>
           </a:p>
@@ -1968,7 +1973,7 @@
           <a:p>
             <a:fld id="{E0B12903-20FD-402A-9E4C-CF267B63641D}" type="datetimeFigureOut">
               <a:rPr lang="en-GB" smtClean="0"/>
-              <a:t>18/08/2025</a:t>
+              <a:t>20/08/2025</a:t>
             </a:fld>
             <a:endParaRPr lang="en-GB"/>
           </a:p>
@@ -2081,7 +2086,7 @@
           <a:p>
             <a:fld id="{E0B12903-20FD-402A-9E4C-CF267B63641D}" type="datetimeFigureOut">
               <a:rPr lang="en-GB" smtClean="0"/>
-              <a:t>18/08/2025</a:t>
+              <a:t>20/08/2025</a:t>
             </a:fld>
             <a:endParaRPr lang="en-GB"/>
           </a:p>
@@ -2394,7 +2399,7 @@
           <a:p>
             <a:fld id="{E0B12903-20FD-402A-9E4C-CF267B63641D}" type="datetimeFigureOut">
               <a:rPr lang="en-GB" smtClean="0"/>
-              <a:t>18/08/2025</a:t>
+              <a:t>20/08/2025</a:t>
             </a:fld>
             <a:endParaRPr lang="en-GB"/>
           </a:p>
@@ -2683,7 +2688,7 @@
           <a:p>
             <a:fld id="{E0B12903-20FD-402A-9E4C-CF267B63641D}" type="datetimeFigureOut">
               <a:rPr lang="en-GB" smtClean="0"/>
-              <a:t>18/08/2025</a:t>
+              <a:t>20/08/2025</a:t>
             </a:fld>
             <a:endParaRPr lang="en-GB"/>
           </a:p>
@@ -2926,7 +2931,7 @@
           <a:p>
             <a:fld id="{E0B12903-20FD-402A-9E4C-CF267B63641D}" type="datetimeFigureOut">
               <a:rPr lang="en-GB" smtClean="0"/>
-              <a:t>18/08/2025</a:t>
+              <a:t>20/08/2025</a:t>
             </a:fld>
             <a:endParaRPr lang="en-GB"/>
           </a:p>
@@ -3408,8 +3413,8 @@
         </p:blipFill>
         <p:spPr>
           <a:xfrm>
-            <a:off x="321076" y="508395"/>
-            <a:ext cx="4912711" cy="3301660"/>
+            <a:off x="723311" y="79883"/>
+            <a:ext cx="3656120" cy="2457149"/>
           </a:xfrm>
           <a:prstGeom prst="rect">
             <a:avLst/>
@@ -3438,8 +3443,8 @@
         </p:blipFill>
         <p:spPr>
           <a:xfrm>
-            <a:off x="5938421" y="2305929"/>
-            <a:ext cx="5530268" cy="3890685"/>
+            <a:off x="5991632" y="2169926"/>
+            <a:ext cx="4869882" cy="3426087"/>
           </a:xfrm>
           <a:prstGeom prst="rect">
             <a:avLst/>
@@ -3460,7 +3465,7 @@
         </p:nvSpPr>
         <p:spPr>
           <a:xfrm>
-            <a:off x="150921" y="4820575"/>
+            <a:off x="5670188" y="5934106"/>
             <a:ext cx="6200736" cy="830997"/>
           </a:xfrm>
           <a:prstGeom prst="rect">
@@ -3502,6 +3507,36 @@
           </a:p>
         </p:txBody>
       </p:sp>
+      <p:pic>
+        <p:nvPicPr>
+          <p:cNvPr id="3" name="Picture 2">
+            <a:extLst>
+              <a:ext uri="{FF2B5EF4-FFF2-40B4-BE49-F238E27FC236}">
+                <a16:creationId xmlns:a16="http://schemas.microsoft.com/office/drawing/2014/main" id="{880E3C0D-6B90-43BE-5D42-BC4A6CD8E7BB}"/>
+              </a:ext>
+            </a:extLst>
+          </p:cNvPr>
+          <p:cNvPicPr>
+            <a:picLocks noChangeAspect="1"/>
+          </p:cNvPicPr>
+          <p:nvPr/>
+        </p:nvPicPr>
+        <p:blipFill>
+          <a:blip r:embed="rId4"/>
+          <a:stretch>
+            <a:fillRect/>
+          </a:stretch>
+        </p:blipFill>
+        <p:spPr>
+          <a:xfrm>
+            <a:off x="0" y="2624409"/>
+            <a:ext cx="5670188" cy="4263783"/>
+          </a:xfrm>
+          <a:prstGeom prst="rect">
+            <a:avLst/>
+          </a:prstGeom>
+        </p:spPr>
+      </p:pic>
     </p:spTree>
     <p:extLst>
       <p:ext uri="{BB962C8B-B14F-4D97-AF65-F5344CB8AC3E}">
